--- a/Материалы ВКР/Островерх В.С.Презентация.pptx
+++ b/Материалы ВКР/Островерх В.С.Презентация.pptx
@@ -12758,7 +12758,7 @@
       </p:grpSp>
       <p:pic>
         <p:nvPicPr>
-          <p:cNvPr id="14" name="Рисунок 13"/>
+          <p:cNvPr id="5" name="Рисунок 4"/>
           <p:cNvPicPr>
             <a:picLocks noChangeAspect="1"/>
           </p:cNvPicPr>
@@ -12772,8 +12772,8 @@
         </p:blipFill>
         <p:spPr>
           <a:xfrm>
-            <a:off x="1811088" y="2110911"/>
-            <a:ext cx="8588484" cy="3314987"/>
+            <a:off x="1568157" y="2110911"/>
+            <a:ext cx="9167654" cy="3490262"/>
           </a:xfrm>
           <a:prstGeom prst="rect">
             <a:avLst/>
@@ -14002,8 +14002,8 @@
         </p:blipFill>
         <p:spPr>
           <a:xfrm>
-            <a:off x="1856960" y="2110911"/>
-            <a:ext cx="8664691" cy="3276884"/>
+            <a:off x="1481299" y="2110911"/>
+            <a:ext cx="9266723" cy="3475021"/>
           </a:xfrm>
           <a:prstGeom prst="rect">
             <a:avLst/>
